--- a/2DGP_Project/ppt발표폴더/최종발표/Run & Return.pptx
+++ b/2DGP_Project/ppt발표폴더/최종발표/Run & Return.pptx
@@ -3875,16 +3875,7 @@
                 </a:solidFill>
                 <a:latin typeface="+mj-ea"/>
               </a:rPr>
-              <a:t>Run </a:t>
-            </a:r>
-            <a:r>
-              <a:rPr lang="en-US" altLang="ko-KR" sz="8800" b="1">
-                <a:solidFill>
-                  <a:schemeClr val="tx1"/>
-                </a:solidFill>
-                <a:latin typeface="+mj-ea"/>
-              </a:rPr>
-              <a:t>&amp; Return</a:t>
+              <a:t>Run &amp; Return</a:t>
             </a:r>
             <a:br>
               <a:rPr lang="en-US" altLang="ko-KR" sz="8800" b="1" dirty="0">
@@ -3910,7 +3901,7 @@
                 </a:solidFill>
                 <a:latin typeface="+mj-ea"/>
               </a:rPr>
-              <a:t>중간발표</a:t>
+              <a:t>최종발표</a:t>
             </a:r>
           </a:p>
         </p:txBody>
@@ -4056,17 +4047,19 @@
         </p:nvSpPr>
         <p:spPr>
           <a:xfrm>
-            <a:off x="633453" y="1858986"/>
-            <a:ext cx="11015207" cy="4023360"/>
+            <a:off x="633453" y="2133600"/>
+            <a:ext cx="11015207" cy="3748746"/>
           </a:xfrm>
         </p:spPr>
         <p:txBody>
-          <a:bodyPr/>
+          <a:bodyPr>
+            <a:normAutofit fontScale="92500" lnSpcReduction="20000"/>
+          </a:bodyPr>
           <a:lstStyle/>
           <a:p>
             <a:r>
               <a:rPr lang="ko-KR" altLang="en-US" sz="3200" dirty="0"/>
-              <a:t>○달려라</a:t>
+              <a:t>○ 달려라</a:t>
             </a:r>
             <a:r>
               <a:rPr lang="en-US" altLang="ko-KR" sz="3200" dirty="0"/>
@@ -4098,15 +4091,24 @@
                 <a:latin typeface="+mj-ea"/>
                 <a:ea typeface="+mj-ea"/>
               </a:rPr>
-              <a:t>-</a:t>
+              <a:t>- </a:t>
             </a:r>
             <a:r>
               <a:rPr lang="ko-KR" altLang="en-US" sz="2800" dirty="0">
                 <a:latin typeface="+mj-ea"/>
                 <a:ea typeface="+mj-ea"/>
               </a:rPr>
-              <a:t> 방향키를 이용한 쉬운 조작</a:t>
-            </a:r>
+              <a:t>멀리 가는 것이 능사가 아니다</a:t>
+            </a:r>
+            <a:r>
+              <a:rPr lang="en-US" altLang="ko-KR" sz="2800" dirty="0">
+                <a:latin typeface="+mj-ea"/>
+                <a:ea typeface="+mj-ea"/>
+              </a:rPr>
+              <a:t>!</a:t>
+            </a:r>
+          </a:p>
+          <a:p>
             <a:endParaRPr lang="en-US" altLang="ko-KR" sz="2800" dirty="0">
               <a:latin typeface="+mj-ea"/>
               <a:ea typeface="+mj-ea"/>
@@ -4114,79 +4116,64 @@
           </a:p>
           <a:p>
             <a:r>
+              <a:rPr lang="ko-KR" altLang="en-US" sz="3200" dirty="0"/>
+              <a:t>○ 편리한 조작</a:t>
+            </a:r>
+            <a:endParaRPr lang="en-US" altLang="ko-KR" sz="3200" dirty="0"/>
+          </a:p>
+          <a:p>
+            <a:r>
               <a:rPr lang="en-US" altLang="ko-KR" sz="2800" dirty="0">
                 <a:latin typeface="+mj-ea"/>
                 <a:ea typeface="+mj-ea"/>
               </a:rPr>
-              <a:t>  -</a:t>
+              <a:t>  - </a:t>
             </a:r>
             <a:r>
               <a:rPr lang="ko-KR" altLang="en-US" sz="2800" dirty="0">
                 <a:latin typeface="+mj-ea"/>
                 <a:ea typeface="+mj-ea"/>
               </a:rPr>
-              <a:t> 제한시간 동안 갔다가</a:t>
-            </a:r>
-            <a:r>
-              <a:rPr lang="en-US" altLang="ko-KR" sz="2800" dirty="0">
-                <a:latin typeface="+mj-ea"/>
-                <a:ea typeface="+mj-ea"/>
-              </a:rPr>
+              <a:t>방향키만 이용하는 단순함</a:t>
+            </a:r>
+            <a:endParaRPr lang="en-US" altLang="ko-KR" sz="2800" dirty="0">
+              <a:latin typeface="+mj-ea"/>
+              <a:ea typeface="+mj-ea"/>
+            </a:endParaRPr>
+          </a:p>
+          <a:p>
+            <a:endParaRPr lang="en-US" altLang="ko-KR" sz="2800" dirty="0">
+              <a:latin typeface="+mj-ea"/>
+              <a:ea typeface="+mj-ea"/>
+            </a:endParaRPr>
+          </a:p>
+          <a:p>
+            <a:r>
+              <a:rPr lang="ko-KR" altLang="en-US" sz="3200" dirty="0"/>
+              <a:t>○ 빠른 판단</a:t>
+            </a:r>
+            <a:r>
+              <a:rPr lang="en-US" altLang="ko-KR" sz="3200" dirty="0"/>
               <a:t>, </a:t>
             </a:r>
             <a:r>
-              <a:rPr lang="ko-KR" altLang="en-US" sz="2800" dirty="0">
-                <a:latin typeface="+mj-ea"/>
-                <a:ea typeface="+mj-ea"/>
-              </a:rPr>
-              <a:t>똑같은 시간 동안 </a:t>
-            </a:r>
-            <a:r>
-              <a:rPr lang="ko-KR" altLang="en-US" sz="2800" dirty="0" err="1">
-                <a:latin typeface="+mj-ea"/>
-                <a:ea typeface="+mj-ea"/>
-              </a:rPr>
-              <a:t>갔던만큼</a:t>
-            </a:r>
-            <a:r>
-              <a:rPr lang="ko-KR" altLang="en-US" sz="2800" dirty="0">
-                <a:latin typeface="+mj-ea"/>
-                <a:ea typeface="+mj-ea"/>
-              </a:rPr>
-              <a:t> 돌아와야 한다</a:t>
-            </a:r>
-            <a:r>
-              <a:rPr lang="en-US" altLang="ko-KR" sz="2800" dirty="0">
-                <a:latin typeface="+mj-ea"/>
-                <a:ea typeface="+mj-ea"/>
-              </a:rPr>
-              <a:t>.</a:t>
-            </a:r>
+              <a:rPr lang="ko-KR" altLang="en-US" sz="3200" dirty="0"/>
+              <a:t>정확한 컨트롤</a:t>
+            </a:r>
+            <a:endParaRPr lang="en-US" altLang="ko-KR" sz="3200" dirty="0"/>
           </a:p>
           <a:p>
             <a:r>
               <a:rPr lang="en-US" altLang="ko-KR" sz="2800" dirty="0">
                 <a:latin typeface="+mj-ea"/>
               </a:rPr>
-              <a:t>  -</a:t>
+              <a:t>  - </a:t>
             </a:r>
             <a:r>
               <a:rPr lang="ko-KR" altLang="en-US" sz="2800" dirty="0">
                 <a:latin typeface="+mj-ea"/>
               </a:rPr>
-              <a:t> 한 </a:t>
-            </a:r>
-            <a:r>
-              <a:rPr lang="ko-KR" altLang="en-US" sz="2800" dirty="0" err="1">
-                <a:latin typeface="+mj-ea"/>
-              </a:rPr>
-              <a:t>맵에서의</a:t>
-            </a:r>
-            <a:r>
-              <a:rPr lang="ko-KR" altLang="en-US" sz="2800" dirty="0">
-                <a:latin typeface="+mj-ea"/>
-              </a:rPr>
-              <a:t> 여러 가지 루트</a:t>
+              <a:t>선택적인 루트</a:t>
             </a:r>
             <a:r>
               <a:rPr lang="en-US" altLang="ko-KR" sz="2800" dirty="0">
@@ -4198,54 +4185,20 @@
               <a:rPr lang="ko-KR" altLang="en-US" sz="2800" dirty="0">
                 <a:latin typeface="+mj-ea"/>
               </a:rPr>
-              <a:t>더 갈 수 있을까</a:t>
+              <a:t>기록 단축을 위한 지름길</a:t>
             </a:r>
             <a:r>
               <a:rPr lang="en-US" altLang="ko-KR" sz="2800" dirty="0">
                 <a:latin typeface="+mj-ea"/>
               </a:rPr>
-              <a:t>? </a:t>
-            </a:r>
-            <a:r>
-              <a:rPr lang="ko-KR" altLang="en-US" sz="2800" dirty="0">
-                <a:latin typeface="+mj-ea"/>
-              </a:rPr>
-              <a:t>돌아올 수 있을까</a:t>
-            </a:r>
-            <a:r>
-              <a:rPr lang="en-US" altLang="ko-KR" sz="2800" dirty="0">
-                <a:latin typeface="+mj-ea"/>
-              </a:rPr>
-              <a:t>?</a:t>
-            </a:r>
-          </a:p>
-          <a:p>
-            <a:pPr algn="ctr"/>
-            <a:endParaRPr lang="en-US" altLang="ko-KR" sz="2800" u="sng" dirty="0">
+              <a:t> </a:t>
+            </a:r>
+          </a:p>
+          <a:p>
+            <a:endParaRPr lang="en-US" altLang="ko-KR" sz="2800" dirty="0">
               <a:latin typeface="+mj-ea"/>
+              <a:ea typeface="+mj-ea"/>
             </a:endParaRPr>
-          </a:p>
-          <a:p>
-            <a:pPr algn="ctr"/>
-            <a:r>
-              <a:rPr lang="ko-KR" altLang="en-US" sz="3200" u="sng" dirty="0">
-                <a:latin typeface="+mj-ea"/>
-              </a:rPr>
-              <a:t>기록은 당신의 선택과 컨트롤에 달렸다</a:t>
-            </a:r>
-            <a:r>
-              <a:rPr lang="en-US" altLang="ko-KR" sz="3200" u="sng" dirty="0">
-                <a:latin typeface="+mj-ea"/>
-              </a:rPr>
-              <a:t>!</a:t>
-            </a:r>
-            <a:endParaRPr lang="en-US" altLang="ko-KR" sz="3200" u="sng" dirty="0"/>
-          </a:p>
-          <a:p>
-            <a:pPr marL="0" indent="0">
-              <a:buNone/>
-            </a:pPr>
-            <a:endParaRPr lang="en-US" altLang="ko-KR" dirty="0"/>
           </a:p>
         </p:txBody>
       </p:sp>
@@ -4301,8 +4254,8 @@
         </p:blipFill>
         <p:spPr>
           <a:xfrm>
-            <a:off x="549953" y="1454944"/>
-            <a:ext cx="4828869" cy="3278419"/>
+            <a:off x="189485" y="1476025"/>
+            <a:ext cx="5753176" cy="3905950"/>
           </a:xfrm>
           <a:prstGeom prst="rect">
             <a:avLst/>
@@ -4331,8 +4284,8 @@
         </p:blipFill>
         <p:spPr>
           <a:xfrm>
-            <a:off x="6813179" y="1454945"/>
-            <a:ext cx="4828869" cy="3278419"/>
+            <a:off x="6249341" y="1476026"/>
+            <a:ext cx="5753174" cy="3905949"/>
           </a:xfrm>
           <a:prstGeom prst="rect">
             <a:avLst/>
@@ -4455,14 +4408,14 @@
           <p:nvPr>
             <p:extLst>
               <p:ext uri="{D42A27DB-BD31-4B8C-83A1-F6EECF244321}">
-                <p14:modId xmlns:p14="http://schemas.microsoft.com/office/powerpoint/2010/main" val="3749962558"/>
+                <p14:modId xmlns:p14="http://schemas.microsoft.com/office/powerpoint/2010/main" val="2800855228"/>
               </p:ext>
             </p:extLst>
           </p:nvPr>
         </p:nvGraphicFramePr>
         <p:xfrm>
-          <a:off x="466165" y="1190325"/>
-          <a:ext cx="10980326" cy="4941534"/>
+          <a:off x="358588" y="1067056"/>
+          <a:ext cx="11456893" cy="5115545"/>
         </p:xfrm>
         <a:graphic>
           <a:graphicData uri="http://schemas.openxmlformats.org/drawingml/2006/table">
@@ -4471,28 +4424,28 @@
                 <a:tableStyleId>{5C22544A-7EE6-4342-B048-85BDC9FD1C3A}</a:tableStyleId>
               </a:tblPr>
               <a:tblGrid>
-                <a:gridCol w="857639">
+                <a:gridCol w="894862">
                   <a:extLst>
                     <a:ext uri="{9D8B030D-6E8A-4147-A177-3AD203B41FA5}">
                       <a16:colId xmlns:a16="http://schemas.microsoft.com/office/drawing/2014/main" val="3286640478"/>
                     </a:ext>
                   </a:extLst>
                 </a:gridCol>
-                <a:gridCol w="4897702">
+                <a:gridCol w="5110272">
                   <a:extLst>
                     <a:ext uri="{9D8B030D-6E8A-4147-A177-3AD203B41FA5}">
                       <a16:colId xmlns:a16="http://schemas.microsoft.com/office/drawing/2014/main" val="3831062178"/>
                     </a:ext>
                   </a:extLst>
                 </a:gridCol>
-                <a:gridCol w="3998259">
+                <a:gridCol w="4171791">
                   <a:extLst>
                     <a:ext uri="{9D8B030D-6E8A-4147-A177-3AD203B41FA5}">
                       <a16:colId xmlns:a16="http://schemas.microsoft.com/office/drawing/2014/main" val="2965437479"/>
                     </a:ext>
                   </a:extLst>
                 </a:gridCol>
-                <a:gridCol w="1226726">
+                <a:gridCol w="1279968">
                   <a:extLst>
                     <a:ext uri="{9D8B030D-6E8A-4147-A177-3AD203B41FA5}">
                       <a16:colId xmlns:a16="http://schemas.microsoft.com/office/drawing/2014/main" val="2638307324"/>
@@ -5237,7 +5190,7 @@
                           <a:latin typeface="+mj-ea"/>
                           <a:ea typeface="+mj-ea"/>
                         </a:rPr>
-                        <a:t>95%</a:t>
+                        <a:t>90%</a:t>
                       </a:r>
                       <a:endParaRPr lang="ko-KR" altLang="en-US" sz="1800" dirty="0">
                         <a:solidFill>
@@ -5738,7 +5691,27 @@
                           <a:latin typeface="+mj-ea"/>
                           <a:ea typeface="+mj-ea"/>
                         </a:rPr>
-                        <a:t>게임 플레이</a:t>
+                        <a:t>게임</a:t>
+                      </a:r>
+                      <a:endParaRPr lang="en-US" altLang="ko-KR" sz="1600" dirty="0">
+                        <a:solidFill>
+                          <a:schemeClr val="tx1"/>
+                        </a:solidFill>
+                        <a:latin typeface="+mj-ea"/>
+                        <a:ea typeface="+mj-ea"/>
+                      </a:endParaRPr>
+                    </a:p>
+                    <a:p>
+                      <a:pPr algn="ctr" latinLnBrk="1"/>
+                      <a:r>
+                        <a:rPr lang="ko-KR" altLang="en-US" sz="1600" dirty="0">
+                          <a:solidFill>
+                            <a:schemeClr val="tx1"/>
+                          </a:solidFill>
+                          <a:latin typeface="+mj-ea"/>
+                          <a:ea typeface="+mj-ea"/>
+                        </a:rPr>
+                        <a:t>플레이</a:t>
                       </a:r>
                     </a:p>
                   </a:txBody>
@@ -5939,25 +5912,9 @@
                     <a:bodyPr/>
                     <a:lstStyle/>
                     <a:p>
-                      <a:pPr marL="0" marR="0" lvl="0" indent="0" algn="ctr" defTabSz="457200" rtl="0" eaLnBrk="1" fontAlgn="auto" latinLnBrk="1" hangingPunct="1">
-                        <a:lnSpc>
-                          <a:spcPct val="100000"/>
-                        </a:lnSpc>
-                        <a:spcBef>
-                          <a:spcPts val="0"/>
-                        </a:spcBef>
-                        <a:spcAft>
-                          <a:spcPts val="0"/>
-                        </a:spcAft>
-                        <a:buClrTx/>
-                        <a:buSzTx/>
-                        <a:buFontTx/>
-                        <a:buNone/>
-                        <a:tabLst/>
-                        <a:defRPr/>
-                      </a:pPr>
-                      <a:r>
-                        <a:rPr lang="ko-KR" altLang="en-US" sz="1800" kern="1200" dirty="0">
+                      <a:pPr algn="ctr" latinLnBrk="1"/>
+                      <a:r>
+                        <a:rPr lang="ko-KR" altLang="en-US" sz="1600" kern="1200" dirty="0">
                           <a:solidFill>
                             <a:schemeClr val="tx1"/>
                           </a:solidFill>
@@ -5965,8 +5922,162 @@
                           <a:ea typeface="+mn-ea"/>
                           <a:cs typeface="+mn-cs"/>
                         </a:rPr>
-                        <a:t>전부 구현</a:t>
-                      </a:r>
+                        <a:t>제한시간동안 또는 특정키 입력 시 까지</a:t>
+                      </a:r>
+                      <a:endParaRPr lang="en-US" altLang="ko-KR" sz="1600" kern="1200" dirty="0">
+                        <a:solidFill>
+                          <a:schemeClr val="tx1"/>
+                        </a:solidFill>
+                        <a:latin typeface="+mj-ea"/>
+                        <a:ea typeface="+mn-ea"/>
+                        <a:cs typeface="+mn-cs"/>
+                      </a:endParaRPr>
+                    </a:p>
+                    <a:p>
+                      <a:pPr algn="ctr" latinLnBrk="1"/>
+                      <a:r>
+                        <a:rPr lang="ko-KR" altLang="en-US" sz="1600" kern="1200" dirty="0">
+                          <a:solidFill>
+                            <a:schemeClr val="tx1"/>
+                          </a:solidFill>
+                          <a:latin typeface="+mj-ea"/>
+                          <a:ea typeface="+mn-ea"/>
+                          <a:cs typeface="+mn-cs"/>
+                        </a:rPr>
+                        <a:t>우측 진행</a:t>
+                      </a:r>
+                      <a:r>
+                        <a:rPr lang="en-US" altLang="ko-KR" sz="1600" kern="1200" dirty="0">
+                          <a:solidFill>
+                            <a:schemeClr val="tx1"/>
+                          </a:solidFill>
+                          <a:latin typeface="+mj-ea"/>
+                          <a:ea typeface="+mn-ea"/>
+                          <a:cs typeface="+mn-cs"/>
+                        </a:rPr>
+                        <a:t>(run)</a:t>
+                      </a:r>
+                      <a:r>
+                        <a:rPr lang="ko-KR" altLang="en-US" sz="1600" kern="1200" dirty="0">
+                          <a:solidFill>
+                            <a:schemeClr val="tx1"/>
+                          </a:solidFill>
+                          <a:latin typeface="+mj-ea"/>
+                          <a:ea typeface="+mn-ea"/>
+                          <a:cs typeface="+mn-cs"/>
+                        </a:rPr>
+                        <a:t> 이후 좌측 진행</a:t>
+                      </a:r>
+                      <a:r>
+                        <a:rPr lang="en-US" altLang="ko-KR" sz="1600" kern="1200" dirty="0">
+                          <a:solidFill>
+                            <a:schemeClr val="tx1"/>
+                          </a:solidFill>
+                          <a:latin typeface="+mj-ea"/>
+                          <a:ea typeface="+mn-ea"/>
+                          <a:cs typeface="+mn-cs"/>
+                        </a:rPr>
+                        <a:t>(return)</a:t>
+                      </a:r>
+                    </a:p>
+                    <a:p>
+                      <a:pPr algn="ctr" latinLnBrk="1"/>
+                      <a:r>
+                        <a:rPr lang="ko-KR" altLang="en-US" sz="1600" kern="1200" dirty="0">
+                          <a:solidFill>
+                            <a:schemeClr val="tx1"/>
+                          </a:solidFill>
+                          <a:latin typeface="+mj-ea"/>
+                          <a:ea typeface="+mn-ea"/>
+                          <a:cs typeface="+mn-cs"/>
+                        </a:rPr>
+                        <a:t>게임 오버 조건 </a:t>
+                      </a:r>
+                      <a:r>
+                        <a:rPr lang="en-US" altLang="ko-KR" sz="1600" kern="1200" dirty="0">
+                          <a:solidFill>
+                            <a:schemeClr val="tx1"/>
+                          </a:solidFill>
+                          <a:latin typeface="+mj-ea"/>
+                          <a:ea typeface="+mn-ea"/>
+                          <a:cs typeface="+mn-cs"/>
+                        </a:rPr>
+                        <a:t>3</a:t>
+                      </a:r>
+                      <a:r>
+                        <a:rPr lang="ko-KR" altLang="en-US" sz="1600" kern="1200" dirty="0">
+                          <a:solidFill>
+                            <a:schemeClr val="tx1"/>
+                          </a:solidFill>
+                          <a:latin typeface="+mj-ea"/>
+                          <a:ea typeface="+mn-ea"/>
+                          <a:cs typeface="+mn-cs"/>
+                        </a:rPr>
+                        <a:t>가지</a:t>
+                      </a:r>
+                      <a:endParaRPr lang="en-US" altLang="ko-KR" sz="1600" kern="1200" dirty="0">
+                        <a:solidFill>
+                          <a:schemeClr val="tx1"/>
+                        </a:solidFill>
+                        <a:latin typeface="+mj-ea"/>
+                        <a:ea typeface="+mn-ea"/>
+                        <a:cs typeface="+mn-cs"/>
+                      </a:endParaRPr>
+                    </a:p>
+                    <a:p>
+                      <a:pPr algn="ctr" latinLnBrk="1"/>
+                      <a:r>
+                        <a:rPr lang="ko-KR" altLang="en-US" sz="1600" kern="1200" dirty="0">
+                          <a:solidFill>
+                            <a:schemeClr val="tx1"/>
+                          </a:solidFill>
+                          <a:latin typeface="+mj-ea"/>
+                          <a:ea typeface="+mn-ea"/>
+                          <a:cs typeface="+mn-cs"/>
+                        </a:rPr>
+                        <a:t>장애물 충돌 판정 미흡</a:t>
+                      </a:r>
+                      <a:r>
+                        <a:rPr lang="en-US" altLang="ko-KR" sz="1600" kern="1200" dirty="0">
+                          <a:solidFill>
+                            <a:schemeClr val="tx1"/>
+                          </a:solidFill>
+                          <a:latin typeface="+mj-ea"/>
+                          <a:ea typeface="+mn-ea"/>
+                          <a:cs typeface="+mn-cs"/>
+                        </a:rPr>
+                        <a:t>, </a:t>
+                      </a:r>
+                      <a:r>
+                        <a:rPr lang="ko-KR" altLang="en-US" sz="1600" kern="1200" dirty="0">
+                          <a:solidFill>
+                            <a:schemeClr val="tx1"/>
+                          </a:solidFill>
+                          <a:latin typeface="+mj-ea"/>
+                          <a:ea typeface="+mn-ea"/>
+                          <a:cs typeface="+mn-cs"/>
+                        </a:rPr>
+                        <a:t>일부 타일 </a:t>
+                      </a:r>
+                      <a:r>
+                        <a:rPr lang="ko-KR" altLang="en-US" sz="1600" kern="1200" dirty="0" err="1">
+                          <a:solidFill>
+                            <a:schemeClr val="tx1"/>
+                          </a:solidFill>
+                          <a:latin typeface="+mj-ea"/>
+                          <a:ea typeface="+mn-ea"/>
+                          <a:cs typeface="+mn-cs"/>
+                        </a:rPr>
+                        <a:t>미구현</a:t>
+                      </a:r>
+                      <a:endParaRPr lang="en-US" altLang="ko-KR" sz="1600" kern="1200" dirty="0">
+                        <a:solidFill>
+                          <a:schemeClr val="tx1"/>
+                        </a:solidFill>
+                        <a:latin typeface="+mj-ea"/>
+                        <a:ea typeface="+mn-ea"/>
+                        <a:cs typeface="+mn-cs"/>
+                      </a:endParaRPr>
                     </a:p>
                   </a:txBody>
                   <a:tcPr anchor="ctr">
@@ -6025,7 +6136,7 @@
                           <a:latin typeface="+mj-ea"/>
                           <a:ea typeface="+mj-ea"/>
                         </a:rPr>
-                        <a:t>100%</a:t>
+                        <a:t>80%</a:t>
                       </a:r>
                     </a:p>
                   </a:txBody>
